--- a/21. Analise_de_ciclo_de_vida.pptx
+++ b/21. Analise_de_ciclo_de_vida.pptx
@@ -210,7 +210,7 @@
             <a:fld id="{258E502B-CFFF-4977-BA55-B253021E2457}" type="datetimeFigureOut">
               <a:rPr lang="pt-BR" smtClean="0"/>
               <a:pPr/>
-              <a:t>22/10/2020</a:t>
+              <a:t>11/11/2020</a:t>
             </a:fld>
             <a:endParaRPr lang="pt-BR"/>
           </a:p>
@@ -626,7 +626,7 @@
             <a:fld id="{362C238F-AFC2-456F-A70E-2BEB777654C4}" type="datetimeFigureOut">
               <a:rPr lang="pt-BR" smtClean="0"/>
               <a:pPr/>
-              <a:t>22/10/2020</a:t>
+              <a:t>11/11/2020</a:t>
             </a:fld>
             <a:endParaRPr lang="pt-BR"/>
           </a:p>
@@ -826,7 +826,7 @@
             <a:fld id="{362C238F-AFC2-456F-A70E-2BEB777654C4}" type="datetimeFigureOut">
               <a:rPr lang="pt-BR" smtClean="0"/>
               <a:pPr/>
-              <a:t>22/10/2020</a:t>
+              <a:t>11/11/2020</a:t>
             </a:fld>
             <a:endParaRPr lang="pt-BR"/>
           </a:p>
@@ -1036,7 +1036,7 @@
             <a:fld id="{362C238F-AFC2-456F-A70E-2BEB777654C4}" type="datetimeFigureOut">
               <a:rPr lang="pt-BR" smtClean="0"/>
               <a:pPr/>
-              <a:t>22/10/2020</a:t>
+              <a:t>11/11/2020</a:t>
             </a:fld>
             <a:endParaRPr lang="pt-BR"/>
           </a:p>
@@ -1236,7 +1236,7 @@
             <a:fld id="{362C238F-AFC2-456F-A70E-2BEB777654C4}" type="datetimeFigureOut">
               <a:rPr lang="pt-BR" smtClean="0"/>
               <a:pPr/>
-              <a:t>22/10/2020</a:t>
+              <a:t>11/11/2020</a:t>
             </a:fld>
             <a:endParaRPr lang="pt-BR"/>
           </a:p>
@@ -1513,7 +1513,7 @@
             <a:fld id="{362C238F-AFC2-456F-A70E-2BEB777654C4}" type="datetimeFigureOut">
               <a:rPr lang="pt-BR" smtClean="0"/>
               <a:pPr/>
-              <a:t>22/10/2020</a:t>
+              <a:t>11/11/2020</a:t>
             </a:fld>
             <a:endParaRPr lang="pt-BR"/>
           </a:p>
@@ -1780,7 +1780,7 @@
             <a:fld id="{362C238F-AFC2-456F-A70E-2BEB777654C4}" type="datetimeFigureOut">
               <a:rPr lang="pt-BR" smtClean="0"/>
               <a:pPr/>
-              <a:t>22/10/2020</a:t>
+              <a:t>11/11/2020</a:t>
             </a:fld>
             <a:endParaRPr lang="pt-BR"/>
           </a:p>
@@ -2194,7 +2194,7 @@
             <a:fld id="{362C238F-AFC2-456F-A70E-2BEB777654C4}" type="datetimeFigureOut">
               <a:rPr lang="pt-BR" smtClean="0"/>
               <a:pPr/>
-              <a:t>22/10/2020</a:t>
+              <a:t>11/11/2020</a:t>
             </a:fld>
             <a:endParaRPr lang="pt-BR"/>
           </a:p>
@@ -2337,7 +2337,7 @@
             <a:fld id="{362C238F-AFC2-456F-A70E-2BEB777654C4}" type="datetimeFigureOut">
               <a:rPr lang="pt-BR" smtClean="0"/>
               <a:pPr/>
-              <a:t>22/10/2020</a:t>
+              <a:t>11/11/2020</a:t>
             </a:fld>
             <a:endParaRPr lang="pt-BR"/>
           </a:p>
@@ -2452,7 +2452,7 @@
             <a:fld id="{362C238F-AFC2-456F-A70E-2BEB777654C4}" type="datetimeFigureOut">
               <a:rPr lang="pt-BR" smtClean="0"/>
               <a:pPr/>
-              <a:t>22/10/2020</a:t>
+              <a:t>11/11/2020</a:t>
             </a:fld>
             <a:endParaRPr lang="pt-BR"/>
           </a:p>
@@ -2765,7 +2765,7 @@
             <a:fld id="{362C238F-AFC2-456F-A70E-2BEB777654C4}" type="datetimeFigureOut">
               <a:rPr lang="pt-BR" smtClean="0"/>
               <a:pPr/>
-              <a:t>22/10/2020</a:t>
+              <a:t>11/11/2020</a:t>
             </a:fld>
             <a:endParaRPr lang="pt-BR"/>
           </a:p>
@@ -3055,7 +3055,7 @@
             <a:fld id="{362C238F-AFC2-456F-A70E-2BEB777654C4}" type="datetimeFigureOut">
               <a:rPr lang="pt-BR" smtClean="0"/>
               <a:pPr/>
-              <a:t>22/10/2020</a:t>
+              <a:t>11/11/2020</a:t>
             </a:fld>
             <a:endParaRPr lang="pt-BR"/>
           </a:p>
@@ -3298,7 +3298,7 @@
             <a:fld id="{362C238F-AFC2-456F-A70E-2BEB777654C4}" type="datetimeFigureOut">
               <a:rPr lang="pt-BR" smtClean="0"/>
               <a:pPr/>
-              <a:t>22/10/2020</a:t>
+              <a:t>11/11/2020</a:t>
             </a:fld>
             <a:endParaRPr lang="pt-BR"/>
           </a:p>
@@ -4625,6 +4625,41 @@
           </a:fontRef>
         </p:style>
       </p:cxnSp>
+      <p:sp>
+        <p:nvSpPr>
+          <p:cNvPr id="4" name="CaixaDeTexto 3">
+            <a:extLst>
+              <a:ext uri="{FF2B5EF4-FFF2-40B4-BE49-F238E27FC236}">
+                <a16:creationId xmlns:a16="http://schemas.microsoft.com/office/drawing/2014/main" id="{E7FA94CD-F7C3-4E27-9ED4-DB96F3827C7D}"/>
+              </a:ext>
+            </a:extLst>
+          </p:cNvPr>
+          <p:cNvSpPr txBox="1"/>
+          <p:nvPr/>
+        </p:nvSpPr>
+        <p:spPr>
+          <a:xfrm>
+            <a:off x="5782460" y="208399"/>
+            <a:ext cx="1613054" cy="369332"/>
+          </a:xfrm>
+          <a:prstGeom prst="rect">
+            <a:avLst/>
+          </a:prstGeom>
+          <a:noFill/>
+        </p:spPr>
+        <p:txBody>
+          <a:bodyPr wrap="square" rtlCol="0">
+            <a:spAutoFit/>
+          </a:bodyPr>
+          <a:lstStyle/>
+          <a:p>
+            <a:r>
+              <a:rPr lang="pt-BR" dirty="0"/>
+              <a:t>Fazer pedido</a:t>
+            </a:r>
+          </a:p>
+        </p:txBody>
+      </p:sp>
     </p:spTree>
     <p:extLst>
       <p:ext uri="{BB962C8B-B14F-4D97-AF65-F5344CB8AC3E}">
@@ -5309,6 +5344,41 @@
           </a:fontRef>
         </p:style>
       </p:cxnSp>
+      <p:sp>
+        <p:nvSpPr>
+          <p:cNvPr id="17" name="CaixaDeTexto 16">
+            <a:extLst>
+              <a:ext uri="{FF2B5EF4-FFF2-40B4-BE49-F238E27FC236}">
+                <a16:creationId xmlns:a16="http://schemas.microsoft.com/office/drawing/2014/main" id="{8B91E6F4-0734-4D02-B6A6-B9F86EDD7524}"/>
+              </a:ext>
+            </a:extLst>
+          </p:cNvPr>
+          <p:cNvSpPr txBox="1"/>
+          <p:nvPr/>
+        </p:nvSpPr>
+        <p:spPr>
+          <a:xfrm>
+            <a:off x="5782460" y="208399"/>
+            <a:ext cx="1613054" cy="369332"/>
+          </a:xfrm>
+          <a:prstGeom prst="rect">
+            <a:avLst/>
+          </a:prstGeom>
+          <a:noFill/>
+        </p:spPr>
+        <p:txBody>
+          <a:bodyPr wrap="square" rtlCol="0">
+            <a:spAutoFit/>
+          </a:bodyPr>
+          <a:lstStyle/>
+          <a:p>
+            <a:r>
+              <a:rPr lang="pt-BR" dirty="0"/>
+              <a:t>Retirar Pedido</a:t>
+            </a:r>
+          </a:p>
+        </p:txBody>
+      </p:sp>
     </p:spTree>
     <p:extLst>
       <p:ext uri="{BB962C8B-B14F-4D97-AF65-F5344CB8AC3E}">

--- a/21. Analise_de_ciclo_de_vida.pptx
+++ b/21. Analise_de_ciclo_de_vida.pptx
@@ -5,11 +5,12 @@
     <p:sldMasterId id="2147483648" r:id="rId1"/>
   </p:sldMasterIdLst>
   <p:notesMasterIdLst>
-    <p:notesMasterId r:id="rId4"/>
+    <p:notesMasterId r:id="rId5"/>
   </p:notesMasterIdLst>
   <p:sldIdLst>
     <p:sldId id="428" r:id="rId2"/>
     <p:sldId id="429" r:id="rId3"/>
+    <p:sldId id="430" r:id="rId4"/>
   </p:sldIdLst>
   <p:sldSz cx="12192000" cy="6858000"/>
   <p:notesSz cx="6858000" cy="9144000"/>
@@ -210,7 +211,7 @@
             <a:fld id="{258E502B-CFFF-4977-BA55-B253021E2457}" type="datetimeFigureOut">
               <a:rPr lang="pt-BR" smtClean="0"/>
               <a:pPr/>
-              <a:t>11/11/2020</a:t>
+              <a:t>12/11/2020</a:t>
             </a:fld>
             <a:endParaRPr lang="pt-BR"/>
           </a:p>
@@ -626,7 +627,7 @@
             <a:fld id="{362C238F-AFC2-456F-A70E-2BEB777654C4}" type="datetimeFigureOut">
               <a:rPr lang="pt-BR" smtClean="0"/>
               <a:pPr/>
-              <a:t>11/11/2020</a:t>
+              <a:t>12/11/2020</a:t>
             </a:fld>
             <a:endParaRPr lang="pt-BR"/>
           </a:p>
@@ -826,7 +827,7 @@
             <a:fld id="{362C238F-AFC2-456F-A70E-2BEB777654C4}" type="datetimeFigureOut">
               <a:rPr lang="pt-BR" smtClean="0"/>
               <a:pPr/>
-              <a:t>11/11/2020</a:t>
+              <a:t>12/11/2020</a:t>
             </a:fld>
             <a:endParaRPr lang="pt-BR"/>
           </a:p>
@@ -1036,7 +1037,7 @@
             <a:fld id="{362C238F-AFC2-456F-A70E-2BEB777654C4}" type="datetimeFigureOut">
               <a:rPr lang="pt-BR" smtClean="0"/>
               <a:pPr/>
-              <a:t>11/11/2020</a:t>
+              <a:t>12/11/2020</a:t>
             </a:fld>
             <a:endParaRPr lang="pt-BR"/>
           </a:p>
@@ -1236,7 +1237,7 @@
             <a:fld id="{362C238F-AFC2-456F-A70E-2BEB777654C4}" type="datetimeFigureOut">
               <a:rPr lang="pt-BR" smtClean="0"/>
               <a:pPr/>
-              <a:t>11/11/2020</a:t>
+              <a:t>12/11/2020</a:t>
             </a:fld>
             <a:endParaRPr lang="pt-BR"/>
           </a:p>
@@ -1513,7 +1514,7 @@
             <a:fld id="{362C238F-AFC2-456F-A70E-2BEB777654C4}" type="datetimeFigureOut">
               <a:rPr lang="pt-BR" smtClean="0"/>
               <a:pPr/>
-              <a:t>11/11/2020</a:t>
+              <a:t>12/11/2020</a:t>
             </a:fld>
             <a:endParaRPr lang="pt-BR"/>
           </a:p>
@@ -1780,7 +1781,7 @@
             <a:fld id="{362C238F-AFC2-456F-A70E-2BEB777654C4}" type="datetimeFigureOut">
               <a:rPr lang="pt-BR" smtClean="0"/>
               <a:pPr/>
-              <a:t>11/11/2020</a:t>
+              <a:t>12/11/2020</a:t>
             </a:fld>
             <a:endParaRPr lang="pt-BR"/>
           </a:p>
@@ -2194,7 +2195,7 @@
             <a:fld id="{362C238F-AFC2-456F-A70E-2BEB777654C4}" type="datetimeFigureOut">
               <a:rPr lang="pt-BR" smtClean="0"/>
               <a:pPr/>
-              <a:t>11/11/2020</a:t>
+              <a:t>12/11/2020</a:t>
             </a:fld>
             <a:endParaRPr lang="pt-BR"/>
           </a:p>
@@ -2337,7 +2338,7 @@
             <a:fld id="{362C238F-AFC2-456F-A70E-2BEB777654C4}" type="datetimeFigureOut">
               <a:rPr lang="pt-BR" smtClean="0"/>
               <a:pPr/>
-              <a:t>11/11/2020</a:t>
+              <a:t>12/11/2020</a:t>
             </a:fld>
             <a:endParaRPr lang="pt-BR"/>
           </a:p>
@@ -2452,7 +2453,7 @@
             <a:fld id="{362C238F-AFC2-456F-A70E-2BEB777654C4}" type="datetimeFigureOut">
               <a:rPr lang="pt-BR" smtClean="0"/>
               <a:pPr/>
-              <a:t>11/11/2020</a:t>
+              <a:t>12/11/2020</a:t>
             </a:fld>
             <a:endParaRPr lang="pt-BR"/>
           </a:p>
@@ -2765,7 +2766,7 @@
             <a:fld id="{362C238F-AFC2-456F-A70E-2BEB777654C4}" type="datetimeFigureOut">
               <a:rPr lang="pt-BR" smtClean="0"/>
               <a:pPr/>
-              <a:t>11/11/2020</a:t>
+              <a:t>12/11/2020</a:t>
             </a:fld>
             <a:endParaRPr lang="pt-BR"/>
           </a:p>
@@ -3055,7 +3056,7 @@
             <a:fld id="{362C238F-AFC2-456F-A70E-2BEB777654C4}" type="datetimeFigureOut">
               <a:rPr lang="pt-BR" smtClean="0"/>
               <a:pPr/>
-              <a:t>11/11/2020</a:t>
+              <a:t>12/11/2020</a:t>
             </a:fld>
             <a:endParaRPr lang="pt-BR"/>
           </a:p>
@@ -3298,7 +3299,7 @@
             <a:fld id="{362C238F-AFC2-456F-A70E-2BEB777654C4}" type="datetimeFigureOut">
               <a:rPr lang="pt-BR" smtClean="0"/>
               <a:pPr/>
-              <a:t>11/11/2020</a:t>
+              <a:t>12/11/2020</a:t>
             </a:fld>
             <a:endParaRPr lang="pt-BR"/>
           </a:p>
@@ -5359,7 +5360,7 @@
         <p:spPr>
           <a:xfrm>
             <a:off x="5782460" y="208399"/>
-            <a:ext cx="1613054" cy="369332"/>
+            <a:ext cx="2189688" cy="369332"/>
           </a:xfrm>
           <a:prstGeom prst="rect">
             <a:avLst/>
@@ -5374,7 +5375,7 @@
           <a:p>
             <a:r>
               <a:rPr lang="pt-BR" dirty="0"/>
-              <a:t>Retirar Pedido</a:t>
+              <a:t>Receber Pedido</a:t>
             </a:r>
           </a:p>
         </p:txBody>
@@ -5383,6 +5384,628 @@
     <p:extLst>
       <p:ext uri="{BB962C8B-B14F-4D97-AF65-F5344CB8AC3E}">
         <p14:creationId xmlns:p14="http://schemas.microsoft.com/office/powerpoint/2010/main" val="3489776004"/>
+      </p:ext>
+    </p:extLst>
+  </p:cSld>
+  <p:clrMapOvr>
+    <a:masterClrMapping/>
+  </p:clrMapOvr>
+</p:sld>
+</file>
+
+<file path=ppt/slides/slide3.xml><?xml version="1.0" encoding="utf-8"?>
+<p:sld xmlns:a="http://schemas.openxmlformats.org/drawingml/2006/main" xmlns:r="http://schemas.openxmlformats.org/officeDocument/2006/relationships" xmlns:p="http://schemas.openxmlformats.org/presentationml/2006/main">
+  <p:cSld>
+    <p:spTree>
+      <p:nvGrpSpPr>
+        <p:cNvPr id="1" name=""/>
+        <p:cNvGrpSpPr/>
+        <p:nvPr/>
+      </p:nvGrpSpPr>
+      <p:grpSpPr>
+        <a:xfrm>
+          <a:off x="0" y="0"/>
+          <a:ext cx="0" cy="0"/>
+          <a:chOff x="0" y="0"/>
+          <a:chExt cx="0" cy="0"/>
+        </a:xfrm>
+      </p:grpSpPr>
+      <p:grpSp>
+        <p:nvGrpSpPr>
+          <p:cNvPr id="3" name="Agrupar 2">
+            <a:extLst>
+              <a:ext uri="{FF2B5EF4-FFF2-40B4-BE49-F238E27FC236}">
+                <a16:creationId xmlns:a16="http://schemas.microsoft.com/office/drawing/2014/main" id="{1682871B-DEE3-4FE1-A895-39E3244BBC90}"/>
+              </a:ext>
+            </a:extLst>
+          </p:cNvPr>
+          <p:cNvGrpSpPr/>
+          <p:nvPr/>
+        </p:nvGrpSpPr>
+        <p:grpSpPr>
+          <a:xfrm>
+            <a:off x="5208405" y="5228639"/>
+            <a:ext cx="676142" cy="696755"/>
+            <a:chOff x="6689187" y="2227567"/>
+            <a:chExt cx="676142" cy="696755"/>
+          </a:xfrm>
+        </p:grpSpPr>
+        <p:pic>
+          <p:nvPicPr>
+            <p:cNvPr id="4" name="Gráfico 3" descr="Bolas de Harvey 100%">
+              <a:extLst>
+                <a:ext uri="{FF2B5EF4-FFF2-40B4-BE49-F238E27FC236}">
+                  <a16:creationId xmlns:a16="http://schemas.microsoft.com/office/drawing/2014/main" id="{EFACF51D-FF09-43F2-AD71-C1358EEAAA49}"/>
+                </a:ext>
+              </a:extLst>
+            </p:cNvPr>
+            <p:cNvPicPr>
+              <a:picLocks noChangeAspect="1"/>
+            </p:cNvPicPr>
+            <p:nvPr/>
+          </p:nvPicPr>
+          <p:blipFill>
+            <a:blip r:embed="rId2">
+              <a:extLst>
+                <a:ext uri="{28A0092B-C50C-407E-A947-70E740481C1C}">
+                  <a14:useLocalDpi xmlns:a14="http://schemas.microsoft.com/office/drawing/2010/main" val="0"/>
+                </a:ext>
+                <a:ext uri="{96DAC541-7B7A-43D3-8B79-37D633B846F1}">
+                  <asvg:svgBlip xmlns:asvg="http://schemas.microsoft.com/office/drawing/2016/SVG/main" r:embed="rId3"/>
+                </a:ext>
+              </a:extLst>
+            </a:blip>
+            <a:stretch>
+              <a:fillRect/>
+            </a:stretch>
+          </p:blipFill>
+          <p:spPr>
+            <a:xfrm>
+              <a:off x="6689187" y="2227567"/>
+              <a:ext cx="676142" cy="696755"/>
+            </a:xfrm>
+            <a:prstGeom prst="rect">
+              <a:avLst/>
+            </a:prstGeom>
+          </p:spPr>
+        </p:pic>
+        <p:pic>
+          <p:nvPicPr>
+            <p:cNvPr id="5" name="Gráfico 4" descr="Bolas de Harvey 100%">
+              <a:extLst>
+                <a:ext uri="{FF2B5EF4-FFF2-40B4-BE49-F238E27FC236}">
+                  <a16:creationId xmlns:a16="http://schemas.microsoft.com/office/drawing/2014/main" id="{C449084D-0808-4E42-A109-946C7DF09C9A}"/>
+                </a:ext>
+              </a:extLst>
+            </p:cNvPr>
+            <p:cNvPicPr>
+              <a:picLocks noChangeAspect="1"/>
+            </p:cNvPicPr>
+            <p:nvPr/>
+          </p:nvPicPr>
+          <p:blipFill>
+            <a:blip r:embed="rId4">
+              <a:extLst>
+                <a:ext uri="{28A0092B-C50C-407E-A947-70E740481C1C}">
+                  <a14:useLocalDpi xmlns:a14="http://schemas.microsoft.com/office/drawing/2010/main" val="0"/>
+                </a:ext>
+                <a:ext uri="{96DAC541-7B7A-43D3-8B79-37D633B846F1}">
+                  <asvg:svgBlip xmlns:asvg="http://schemas.microsoft.com/office/drawing/2016/SVG/main" r:embed="rId5"/>
+                </a:ext>
+              </a:extLst>
+            </a:blip>
+            <a:stretch>
+              <a:fillRect/>
+            </a:stretch>
+          </p:blipFill>
+          <p:spPr>
+            <a:xfrm>
+              <a:off x="6823722" y="2366203"/>
+              <a:ext cx="407071" cy="419481"/>
+            </a:xfrm>
+            <a:prstGeom prst="rect">
+              <a:avLst/>
+            </a:prstGeom>
+          </p:spPr>
+        </p:pic>
+      </p:grpSp>
+      <p:pic>
+        <p:nvPicPr>
+          <p:cNvPr id="6" name="Gráfico 5" descr="Bolas de Harvey 100%">
+            <a:extLst>
+              <a:ext uri="{FF2B5EF4-FFF2-40B4-BE49-F238E27FC236}">
+                <a16:creationId xmlns:a16="http://schemas.microsoft.com/office/drawing/2014/main" id="{62DAB0BB-09AB-4D76-A092-EFD7866156AD}"/>
+              </a:ext>
+            </a:extLst>
+          </p:cNvPr>
+          <p:cNvPicPr>
+            <a:picLocks noChangeAspect="1"/>
+          </p:cNvPicPr>
+          <p:nvPr/>
+        </p:nvPicPr>
+        <p:blipFill>
+          <a:blip r:embed="rId2">
+            <a:extLst>
+              <a:ext uri="{28A0092B-C50C-407E-A947-70E740481C1C}">
+                <a14:useLocalDpi xmlns:a14="http://schemas.microsoft.com/office/drawing/2010/main" val="0"/>
+              </a:ext>
+              <a:ext uri="{96DAC541-7B7A-43D3-8B79-37D633B846F1}">
+                <asvg:svgBlip xmlns:asvg="http://schemas.microsoft.com/office/drawing/2016/SVG/main" r:embed="rId3"/>
+              </a:ext>
+            </a:extLst>
+          </a:blip>
+          <a:stretch>
+            <a:fillRect/>
+          </a:stretch>
+        </p:blipFill>
+        <p:spPr>
+          <a:xfrm>
+            <a:off x="3417629" y="610787"/>
+            <a:ext cx="676142" cy="696755"/>
+          </a:xfrm>
+          <a:prstGeom prst="rect">
+            <a:avLst/>
+          </a:prstGeom>
+        </p:spPr>
+      </p:pic>
+      <p:sp>
+        <p:nvSpPr>
+          <p:cNvPr id="7" name="Retângulo: Cantos Arredondados 6">
+            <a:extLst>
+              <a:ext uri="{FF2B5EF4-FFF2-40B4-BE49-F238E27FC236}">
+                <a16:creationId xmlns:a16="http://schemas.microsoft.com/office/drawing/2014/main" id="{C3AE09F4-2A9C-43F0-A246-A1EAB6B6ABF5}"/>
+              </a:ext>
+            </a:extLst>
+          </p:cNvPr>
+          <p:cNvSpPr/>
+          <p:nvPr/>
+        </p:nvSpPr>
+        <p:spPr>
+          <a:xfrm>
+            <a:off x="2719157" y="2583961"/>
+            <a:ext cx="2073085" cy="902293"/>
+          </a:xfrm>
+          <a:prstGeom prst="roundRect">
+            <a:avLst/>
+          </a:prstGeom>
+          <a:solidFill>
+            <a:schemeClr val="bg1"/>
+          </a:solidFill>
+          <a:ln>
+            <a:solidFill>
+              <a:schemeClr val="tx1"/>
+            </a:solidFill>
+          </a:ln>
+        </p:spPr>
+        <p:style>
+          <a:lnRef idx="2">
+            <a:schemeClr val="accent1">
+              <a:shade val="50000"/>
+            </a:schemeClr>
+          </a:lnRef>
+          <a:fillRef idx="1">
+            <a:schemeClr val="accent1"/>
+          </a:fillRef>
+          <a:effectRef idx="0">
+            <a:schemeClr val="accent1"/>
+          </a:effectRef>
+          <a:fontRef idx="minor">
+            <a:schemeClr val="lt1"/>
+          </a:fontRef>
+        </p:style>
+        <p:txBody>
+          <a:bodyPr rtlCol="0" anchor="ctr"/>
+          <a:lstStyle/>
+          <a:p>
+            <a:pPr algn="ctr"/>
+            <a:r>
+              <a:rPr lang="pt-BR" dirty="0">
+                <a:solidFill>
+                  <a:schemeClr val="tx1"/>
+                </a:solidFill>
+              </a:rPr>
+              <a:t>Validado</a:t>
+            </a:r>
+          </a:p>
+        </p:txBody>
+      </p:sp>
+      <p:cxnSp>
+        <p:nvCxnSpPr>
+          <p:cNvPr id="8" name="Conector de Seta Reta 7">
+            <a:extLst>
+              <a:ext uri="{FF2B5EF4-FFF2-40B4-BE49-F238E27FC236}">
+                <a16:creationId xmlns:a16="http://schemas.microsoft.com/office/drawing/2014/main" id="{8F8BBA4D-639E-4A20-992D-4EAA557F081F}"/>
+              </a:ext>
+            </a:extLst>
+          </p:cNvPr>
+          <p:cNvCxnSpPr>
+            <a:cxnSpLocks/>
+            <a:stCxn id="11" idx="2"/>
+            <a:endCxn id="7" idx="0"/>
+          </p:cNvCxnSpPr>
+          <p:nvPr/>
+        </p:nvCxnSpPr>
+        <p:spPr>
+          <a:xfrm>
+            <a:off x="3755700" y="1957322"/>
+            <a:ext cx="0" cy="626639"/>
+          </a:xfrm>
+          <a:prstGeom prst="straightConnector1">
+            <a:avLst/>
+          </a:prstGeom>
+          <a:ln w="28575">
+            <a:solidFill>
+              <a:schemeClr val="tx1"/>
+            </a:solidFill>
+            <a:tailEnd type="triangle"/>
+          </a:ln>
+        </p:spPr>
+        <p:style>
+          <a:lnRef idx="1">
+            <a:schemeClr val="accent1"/>
+          </a:lnRef>
+          <a:fillRef idx="0">
+            <a:schemeClr val="accent1"/>
+          </a:fillRef>
+          <a:effectRef idx="0">
+            <a:schemeClr val="accent1"/>
+          </a:effectRef>
+          <a:fontRef idx="minor">
+            <a:schemeClr val="tx1"/>
+          </a:fontRef>
+        </p:style>
+      </p:cxnSp>
+      <p:sp>
+        <p:nvSpPr>
+          <p:cNvPr id="9" name="CaixaDeTexto 8">
+            <a:extLst>
+              <a:ext uri="{FF2B5EF4-FFF2-40B4-BE49-F238E27FC236}">
+                <a16:creationId xmlns:a16="http://schemas.microsoft.com/office/drawing/2014/main" id="{78D18066-477B-4F7B-8DF2-397349ADA1E8}"/>
+              </a:ext>
+            </a:extLst>
+          </p:cNvPr>
+          <p:cNvSpPr txBox="1"/>
+          <p:nvPr/>
+        </p:nvSpPr>
+        <p:spPr>
+          <a:xfrm>
+            <a:off x="2196519" y="4048462"/>
+            <a:ext cx="3118362" cy="307777"/>
+          </a:xfrm>
+          <a:prstGeom prst="rect">
+            <a:avLst/>
+          </a:prstGeom>
+          <a:noFill/>
+        </p:spPr>
+        <p:txBody>
+          <a:bodyPr wrap="square" rtlCol="0">
+            <a:spAutoFit/>
+          </a:bodyPr>
+          <a:lstStyle/>
+          <a:p>
+            <a:pPr algn="ctr"/>
+            <a:r>
+              <a:rPr lang="pt-BR" sz="1400" dirty="0"/>
+              <a:t>Cliente retira pedido</a:t>
+            </a:r>
+          </a:p>
+        </p:txBody>
+      </p:sp>
+      <p:cxnSp>
+        <p:nvCxnSpPr>
+          <p:cNvPr id="10" name="Conector reto 9">
+            <a:extLst>
+              <a:ext uri="{FF2B5EF4-FFF2-40B4-BE49-F238E27FC236}">
+                <a16:creationId xmlns:a16="http://schemas.microsoft.com/office/drawing/2014/main" id="{B2E2DB7B-F032-45FC-897C-4D5C24904CFB}"/>
+              </a:ext>
+            </a:extLst>
+          </p:cNvPr>
+          <p:cNvCxnSpPr>
+            <a:cxnSpLocks/>
+            <a:stCxn id="7" idx="2"/>
+            <a:endCxn id="9" idx="0"/>
+          </p:cNvCxnSpPr>
+          <p:nvPr/>
+        </p:nvCxnSpPr>
+        <p:spPr>
+          <a:xfrm>
+            <a:off x="3755700" y="3486254"/>
+            <a:ext cx="0" cy="562208"/>
+          </a:xfrm>
+          <a:prstGeom prst="line">
+            <a:avLst/>
+          </a:prstGeom>
+          <a:ln w="28575">
+            <a:solidFill>
+              <a:schemeClr val="tx1"/>
+            </a:solidFill>
+          </a:ln>
+        </p:spPr>
+        <p:style>
+          <a:lnRef idx="1">
+            <a:schemeClr val="accent1"/>
+          </a:lnRef>
+          <a:fillRef idx="0">
+            <a:schemeClr val="accent1"/>
+          </a:fillRef>
+          <a:effectRef idx="0">
+            <a:schemeClr val="accent1"/>
+          </a:effectRef>
+          <a:fontRef idx="minor">
+            <a:schemeClr val="tx1"/>
+          </a:fontRef>
+        </p:style>
+      </p:cxnSp>
+      <p:sp>
+        <p:nvSpPr>
+          <p:cNvPr id="11" name="CaixaDeTexto 10">
+            <a:extLst>
+              <a:ext uri="{FF2B5EF4-FFF2-40B4-BE49-F238E27FC236}">
+                <a16:creationId xmlns:a16="http://schemas.microsoft.com/office/drawing/2014/main" id="{F4BF0D4B-5895-4594-81F5-B40801B76270}"/>
+              </a:ext>
+            </a:extLst>
+          </p:cNvPr>
+          <p:cNvSpPr txBox="1"/>
+          <p:nvPr/>
+        </p:nvSpPr>
+        <p:spPr>
+          <a:xfrm>
+            <a:off x="2906815" y="1649545"/>
+            <a:ext cx="1697769" cy="307777"/>
+          </a:xfrm>
+          <a:prstGeom prst="rect">
+            <a:avLst/>
+          </a:prstGeom>
+          <a:noFill/>
+        </p:spPr>
+        <p:txBody>
+          <a:bodyPr wrap="square" rtlCol="0">
+            <a:spAutoFit/>
+          </a:bodyPr>
+          <a:lstStyle/>
+          <a:p>
+            <a:pPr algn="ctr"/>
+            <a:r>
+              <a:rPr lang="pt-BR" sz="1400" dirty="0"/>
+              <a:t>Validar Pedido</a:t>
+            </a:r>
+          </a:p>
+        </p:txBody>
+      </p:sp>
+      <p:cxnSp>
+        <p:nvCxnSpPr>
+          <p:cNvPr id="12" name="Conector reto 11">
+            <a:extLst>
+              <a:ext uri="{FF2B5EF4-FFF2-40B4-BE49-F238E27FC236}">
+                <a16:creationId xmlns:a16="http://schemas.microsoft.com/office/drawing/2014/main" id="{B7D4B7B2-34A0-41D9-9F38-3496170C82C4}"/>
+              </a:ext>
+            </a:extLst>
+          </p:cNvPr>
+          <p:cNvCxnSpPr>
+            <a:cxnSpLocks/>
+            <a:endCxn id="11" idx="0"/>
+          </p:cNvCxnSpPr>
+          <p:nvPr/>
+        </p:nvCxnSpPr>
+        <p:spPr>
+          <a:xfrm>
+            <a:off x="3755700" y="982762"/>
+            <a:ext cx="0" cy="666783"/>
+          </a:xfrm>
+          <a:prstGeom prst="line">
+            <a:avLst/>
+          </a:prstGeom>
+          <a:ln w="28575">
+            <a:solidFill>
+              <a:schemeClr val="tx1"/>
+            </a:solidFill>
+          </a:ln>
+        </p:spPr>
+        <p:style>
+          <a:lnRef idx="1">
+            <a:schemeClr val="accent1"/>
+          </a:lnRef>
+          <a:fillRef idx="0">
+            <a:schemeClr val="accent1"/>
+          </a:fillRef>
+          <a:effectRef idx="0">
+            <a:schemeClr val="accent1"/>
+          </a:effectRef>
+          <a:fontRef idx="minor">
+            <a:schemeClr val="tx1"/>
+          </a:fontRef>
+        </p:style>
+      </p:cxnSp>
+      <p:sp>
+        <p:nvSpPr>
+          <p:cNvPr id="13" name="Retângulo: Cantos Arredondados 12">
+            <a:extLst>
+              <a:ext uri="{FF2B5EF4-FFF2-40B4-BE49-F238E27FC236}">
+                <a16:creationId xmlns:a16="http://schemas.microsoft.com/office/drawing/2014/main" id="{287B3C3C-7E45-4496-BF83-73AA150242D7}"/>
+              </a:ext>
+            </a:extLst>
+          </p:cNvPr>
+          <p:cNvSpPr/>
+          <p:nvPr/>
+        </p:nvSpPr>
+        <p:spPr>
+          <a:xfrm>
+            <a:off x="2719158" y="5125873"/>
+            <a:ext cx="2073085" cy="902293"/>
+          </a:xfrm>
+          <a:prstGeom prst="roundRect">
+            <a:avLst/>
+          </a:prstGeom>
+          <a:solidFill>
+            <a:schemeClr val="bg1"/>
+          </a:solidFill>
+          <a:ln>
+            <a:solidFill>
+              <a:schemeClr val="tx1"/>
+            </a:solidFill>
+          </a:ln>
+        </p:spPr>
+        <p:style>
+          <a:lnRef idx="2">
+            <a:schemeClr val="accent1">
+              <a:shade val="50000"/>
+            </a:schemeClr>
+          </a:lnRef>
+          <a:fillRef idx="1">
+            <a:schemeClr val="accent1"/>
+          </a:fillRef>
+          <a:effectRef idx="0">
+            <a:schemeClr val="accent1"/>
+          </a:effectRef>
+          <a:fontRef idx="minor">
+            <a:schemeClr val="lt1"/>
+          </a:fontRef>
+        </p:style>
+        <p:txBody>
+          <a:bodyPr rtlCol="0" anchor="ctr"/>
+          <a:lstStyle/>
+          <a:p>
+            <a:pPr algn="ctr"/>
+            <a:r>
+              <a:rPr lang="pt-BR" dirty="0">
+                <a:solidFill>
+                  <a:schemeClr val="tx1"/>
+                </a:solidFill>
+              </a:rPr>
+              <a:t>Retirado</a:t>
+            </a:r>
+          </a:p>
+        </p:txBody>
+      </p:sp>
+      <p:cxnSp>
+        <p:nvCxnSpPr>
+          <p:cNvPr id="14" name="Conector de Seta Reta 13">
+            <a:extLst>
+              <a:ext uri="{FF2B5EF4-FFF2-40B4-BE49-F238E27FC236}">
+                <a16:creationId xmlns:a16="http://schemas.microsoft.com/office/drawing/2014/main" id="{CC4F1604-0951-4E52-97FA-3F874461E85B}"/>
+              </a:ext>
+            </a:extLst>
+          </p:cNvPr>
+          <p:cNvCxnSpPr>
+            <a:cxnSpLocks/>
+            <a:stCxn id="9" idx="2"/>
+            <a:endCxn id="13" idx="0"/>
+          </p:cNvCxnSpPr>
+          <p:nvPr/>
+        </p:nvCxnSpPr>
+        <p:spPr>
+          <a:xfrm>
+            <a:off x="3755700" y="4356239"/>
+            <a:ext cx="1" cy="769634"/>
+          </a:xfrm>
+          <a:prstGeom prst="straightConnector1">
+            <a:avLst/>
+          </a:prstGeom>
+          <a:ln w="28575">
+            <a:solidFill>
+              <a:schemeClr val="tx1"/>
+            </a:solidFill>
+            <a:tailEnd type="triangle"/>
+          </a:ln>
+        </p:spPr>
+        <p:style>
+          <a:lnRef idx="1">
+            <a:schemeClr val="accent1"/>
+          </a:lnRef>
+          <a:fillRef idx="0">
+            <a:schemeClr val="accent1"/>
+          </a:fillRef>
+          <a:effectRef idx="0">
+            <a:schemeClr val="accent1"/>
+          </a:effectRef>
+          <a:fontRef idx="minor">
+            <a:schemeClr val="tx1"/>
+          </a:fontRef>
+        </p:style>
+      </p:cxnSp>
+      <p:cxnSp>
+        <p:nvCxnSpPr>
+          <p:cNvPr id="16" name="Conector de Seta Reta 15">
+            <a:extLst>
+              <a:ext uri="{FF2B5EF4-FFF2-40B4-BE49-F238E27FC236}">
+                <a16:creationId xmlns:a16="http://schemas.microsoft.com/office/drawing/2014/main" id="{476B06EA-87B7-41F1-A587-2C3AAD3347B2}"/>
+              </a:ext>
+            </a:extLst>
+          </p:cNvPr>
+          <p:cNvCxnSpPr>
+            <a:cxnSpLocks/>
+          </p:cNvCxnSpPr>
+          <p:nvPr/>
+        </p:nvCxnSpPr>
+        <p:spPr>
+          <a:xfrm flipV="1">
+            <a:off x="4792242" y="5577017"/>
+            <a:ext cx="522639" cy="1"/>
+          </a:xfrm>
+          <a:prstGeom prst="straightConnector1">
+            <a:avLst/>
+          </a:prstGeom>
+          <a:ln w="28575">
+            <a:solidFill>
+              <a:schemeClr val="tx1"/>
+            </a:solidFill>
+            <a:tailEnd type="triangle"/>
+          </a:ln>
+        </p:spPr>
+        <p:style>
+          <a:lnRef idx="1">
+            <a:schemeClr val="accent1"/>
+          </a:lnRef>
+          <a:fillRef idx="0">
+            <a:schemeClr val="accent1"/>
+          </a:fillRef>
+          <a:effectRef idx="0">
+            <a:schemeClr val="accent1"/>
+          </a:effectRef>
+          <a:fontRef idx="minor">
+            <a:schemeClr val="tx1"/>
+          </a:fontRef>
+        </p:style>
+      </p:cxnSp>
+      <p:sp>
+        <p:nvSpPr>
+          <p:cNvPr id="18" name="CaixaDeTexto 17">
+            <a:extLst>
+              <a:ext uri="{FF2B5EF4-FFF2-40B4-BE49-F238E27FC236}">
+                <a16:creationId xmlns:a16="http://schemas.microsoft.com/office/drawing/2014/main" id="{A2301B4A-8C5F-4DD2-B7D0-D227E875A643}"/>
+              </a:ext>
+            </a:extLst>
+          </p:cNvPr>
+          <p:cNvSpPr txBox="1"/>
+          <p:nvPr/>
+        </p:nvSpPr>
+        <p:spPr>
+          <a:xfrm>
+            <a:off x="5314881" y="201279"/>
+            <a:ext cx="2189688" cy="369332"/>
+          </a:xfrm>
+          <a:prstGeom prst="rect">
+            <a:avLst/>
+          </a:prstGeom>
+          <a:noFill/>
+        </p:spPr>
+        <p:txBody>
+          <a:bodyPr wrap="square" rtlCol="0">
+            <a:spAutoFit/>
+          </a:bodyPr>
+          <a:lstStyle/>
+          <a:p>
+            <a:r>
+              <a:rPr lang="pt-BR" dirty="0"/>
+              <a:t>Retirar Pedido</a:t>
+            </a:r>
+          </a:p>
+        </p:txBody>
+      </p:sp>
+    </p:spTree>
+    <p:extLst>
+      <p:ext uri="{BB962C8B-B14F-4D97-AF65-F5344CB8AC3E}">
+        <p14:creationId xmlns:p14="http://schemas.microsoft.com/office/powerpoint/2010/main" val="308635689"/>
       </p:ext>
     </p:extLst>
   </p:cSld>
